--- a/20190925.pptx
+++ b/20190925.pptx
@@ -1521,6 +1521,34 @@
               <a:rPr lang="zh-CN" altLang="en-US" dirty="0"/>
               <a:t>”</a:t>
             </a:r>
+            <a:endParaRPr lang="en-US" altLang="zh-CN" dirty="0"/>
+          </a:p>
+          <a:p>
+            <a:r>
+              <a:rPr lang="zh-CN" altLang="en-US" dirty="0"/>
+              <a:t>相关因素：取决于具体结构</a:t>
+            </a:r>
+            <a:endParaRPr lang="en-US" altLang="zh-CN" dirty="0"/>
+          </a:p>
+          <a:p>
+            <a:pPr marL="0" indent="0">
+              <a:buNone/>
+            </a:pPr>
+            <a:r>
+              <a:rPr lang="zh-CN" altLang="en-US" dirty="0"/>
+              <a:t>（以</a:t>
+            </a:r>
+            <a:r>
+              <a:rPr lang="en-US" altLang="zh-CN" dirty="0"/>
+              <a:t>linear programmable processor</a:t>
+            </a:r>
+            <a:r>
+              <a:rPr lang="zh-CN" altLang="en-US" dirty="0"/>
+              <a:t>为例）</a:t>
+            </a:r>
+            <a:endParaRPr lang="en-US" altLang="zh-CN" dirty="0"/>
+          </a:p>
+          <a:p>
             <a:endParaRPr lang="en-US" altLang="zh-CN" dirty="0"/>
           </a:p>
           <a:p>
